--- a/Reports/机器学习综合实践.pptx
+++ b/Reports/机器学习综合实践.pptx
@@ -15448,7 +15448,7 @@
         <p:spPr>
           <a:xfrm>
             <a:off x="457200" y="1165225"/>
-            <a:ext cx="8458200" cy="4031873"/>
+            <a:ext cx="8458200" cy="4524315"/>
           </a:xfrm>
           <a:prstGeom prst="rect">
             <a:avLst/>
@@ -15796,7 +15796,7 @@
               <a:buChar char="n"/>
             </a:pPr>
             <a:r>
-              <a:rPr lang="zh-CN" altLang="en-US" sz="2400" b="1">
+              <a:rPr lang="zh-CN" altLang="en-US" sz="2400" b="1" dirty="0">
                 <a:solidFill>
                   <a:srgbClr val="000066"/>
                 </a:solidFill>
@@ -15805,7 +15805,31 @@
                 <a:cs typeface="微软雅黑" panose="020B0503020204020204" charset="-122"/>
                 <a:sym typeface="+mn-ea"/>
               </a:rPr>
-              <a:t>代码详见：</a:t>
+              <a:t>代码和数据详见（仅数据集一的两个模型任务）：</a:t>
+            </a:r>
+            <a:r>
+              <a:rPr lang="en-US" altLang="zh-CN" sz="1600" dirty="0" err="1">
+                <a:hlinkClick r:id="rId3"/>
+              </a:rPr>
+              <a:t>MechineLearningAssignmetn</a:t>
+            </a:r>
+            <a:r>
+              <a:rPr lang="en-US" altLang="zh-CN" sz="1600" dirty="0">
+                <a:hlinkClick r:id="rId3"/>
+              </a:rPr>
+              <a:t>/Assignments/Assignment1/Assignment1_v1.ipynb at main · q1nyy/</a:t>
+            </a:r>
+            <a:r>
+              <a:rPr lang="en-US" altLang="zh-CN" sz="1600" dirty="0" err="1">
+                <a:hlinkClick r:id="rId3"/>
+              </a:rPr>
+              <a:t>MechineLearningAssignmetn</a:t>
+            </a:r>
+            <a:r>
+              <a:rPr lang="en-US" altLang="zh-CN" sz="1600" dirty="0">
+                <a:hlinkClick r:id="rId3"/>
+              </a:rPr>
+              <a:t> (github.com)</a:t>
             </a:r>
             <a:endParaRPr lang="zh-CN" altLang="en-US" sz="2400" b="1" dirty="0">
               <a:solidFill>
